--- a/assets/images/medium.pptx
+++ b/assets/images/medium.pptx
@@ -6,7 +6,10 @@
   </p:sldMasterIdLst>
   <p:sldIdLst>
     <p:sldId id="256" r:id="rId2"/>
-    <p:sldId id="257" r:id="rId3"/>
+    <p:sldId id="258" r:id="rId3"/>
+    <p:sldId id="259" r:id="rId4"/>
+    <p:sldId id="260" r:id="rId5"/>
+    <p:sldId id="257" r:id="rId6"/>
   </p:sldIdLst>
   <p:sldSz cx="12192000" cy="6858000"/>
   <p:notesSz cx="6858000" cy="9144000"/>
@@ -105,6 +108,11 @@
       </a:defRPr>
     </a:lvl9pPr>
   </p:defaultTextStyle>
+  <p:extLst>
+    <p:ext uri="{EFAFB233-063F-42B5-8137-9DF3F51BA10A}">
+      <p15:sldGuideLst xmlns:p15="http://schemas.microsoft.com/office/powerpoint/2012/main"/>
+    </p:ext>
+  </p:extLst>
 </p:presentation>
 </file>
 
@@ -255,7 +263,7 @@
           <a:p>
             <a:fld id="{3DF89998-2CFC-9B40-A5A6-340B1420DD49}" type="datetimeFigureOut">
               <a:rPr lang="en-US" smtClean="0"/>
-              <a:t>10/25/20</a:t>
+              <a:t>10/27/2020</a:t>
             </a:fld>
             <a:endParaRPr lang="en-US"/>
           </a:p>
@@ -453,7 +461,7 @@
           <a:p>
             <a:fld id="{3DF89998-2CFC-9B40-A5A6-340B1420DD49}" type="datetimeFigureOut">
               <a:rPr lang="en-US" smtClean="0"/>
-              <a:t>10/25/20</a:t>
+              <a:t>10/27/2020</a:t>
             </a:fld>
             <a:endParaRPr lang="en-US"/>
           </a:p>
@@ -661,7 +669,7 @@
           <a:p>
             <a:fld id="{3DF89998-2CFC-9B40-A5A6-340B1420DD49}" type="datetimeFigureOut">
               <a:rPr lang="en-US" smtClean="0"/>
-              <a:t>10/25/20</a:t>
+              <a:t>10/27/2020</a:t>
             </a:fld>
             <a:endParaRPr lang="en-US"/>
           </a:p>
@@ -859,7 +867,7 @@
           <a:p>
             <a:fld id="{3DF89998-2CFC-9B40-A5A6-340B1420DD49}" type="datetimeFigureOut">
               <a:rPr lang="en-US" smtClean="0"/>
-              <a:t>10/25/20</a:t>
+              <a:t>10/27/2020</a:t>
             </a:fld>
             <a:endParaRPr lang="en-US"/>
           </a:p>
@@ -1134,7 +1142,7 @@
           <a:p>
             <a:fld id="{3DF89998-2CFC-9B40-A5A6-340B1420DD49}" type="datetimeFigureOut">
               <a:rPr lang="en-US" smtClean="0"/>
-              <a:t>10/25/20</a:t>
+              <a:t>10/27/2020</a:t>
             </a:fld>
             <a:endParaRPr lang="en-US"/>
           </a:p>
@@ -1399,7 +1407,7 @@
           <a:p>
             <a:fld id="{3DF89998-2CFC-9B40-A5A6-340B1420DD49}" type="datetimeFigureOut">
               <a:rPr lang="en-US" smtClean="0"/>
-              <a:t>10/25/20</a:t>
+              <a:t>10/27/2020</a:t>
             </a:fld>
             <a:endParaRPr lang="en-US"/>
           </a:p>
@@ -1811,7 +1819,7 @@
           <a:p>
             <a:fld id="{3DF89998-2CFC-9B40-A5A6-340B1420DD49}" type="datetimeFigureOut">
               <a:rPr lang="en-US" smtClean="0"/>
-              <a:t>10/25/20</a:t>
+              <a:t>10/27/2020</a:t>
             </a:fld>
             <a:endParaRPr lang="en-US"/>
           </a:p>
@@ -1952,7 +1960,7 @@
           <a:p>
             <a:fld id="{3DF89998-2CFC-9B40-A5A6-340B1420DD49}" type="datetimeFigureOut">
               <a:rPr lang="en-US" smtClean="0"/>
-              <a:t>10/25/20</a:t>
+              <a:t>10/27/2020</a:t>
             </a:fld>
             <a:endParaRPr lang="en-US"/>
           </a:p>
@@ -2065,7 +2073,7 @@
           <a:p>
             <a:fld id="{3DF89998-2CFC-9B40-A5A6-340B1420DD49}" type="datetimeFigureOut">
               <a:rPr lang="en-US" smtClean="0"/>
-              <a:t>10/25/20</a:t>
+              <a:t>10/27/2020</a:t>
             </a:fld>
             <a:endParaRPr lang="en-US"/>
           </a:p>
@@ -2376,7 +2384,7 @@
           <a:p>
             <a:fld id="{3DF89998-2CFC-9B40-A5A6-340B1420DD49}" type="datetimeFigureOut">
               <a:rPr lang="en-US" smtClean="0"/>
-              <a:t>10/25/20</a:t>
+              <a:t>10/27/2020</a:t>
             </a:fld>
             <a:endParaRPr lang="en-US"/>
           </a:p>
@@ -2664,7 +2672,7 @@
           <a:p>
             <a:fld id="{3DF89998-2CFC-9B40-A5A6-340B1420DD49}" type="datetimeFigureOut">
               <a:rPr lang="en-US" smtClean="0"/>
-              <a:t>10/25/20</a:t>
+              <a:t>10/27/2020</a:t>
             </a:fld>
             <a:endParaRPr lang="en-US"/>
           </a:p>
@@ -2905,7 +2913,7 @@
           <a:p>
             <a:fld id="{3DF89998-2CFC-9B40-A5A6-340B1420DD49}" type="datetimeFigureOut">
               <a:rPr lang="en-US" smtClean="0"/>
-              <a:t>10/25/20</a:t>
+              <a:t>10/27/2020</a:t>
             </a:fld>
             <a:endParaRPr lang="en-US"/>
           </a:p>
@@ -3343,7 +3351,10 @@
           <a:bodyPr/>
           <a:lstStyle/>
           <a:p>
-            <a:endParaRPr lang="en-US"/>
+            <a:r>
+              <a:rPr lang="en-US" dirty="0"/>
+              <a:t>Working with Data and APIs</a:t>
+            </a:r>
           </a:p>
         </p:txBody>
       </p:sp>
@@ -3386,6 +3397,698 @@
 </file>
 
 <file path=ppt/slides/slide2.xml><?xml version="1.0" encoding="utf-8"?>
+<p:sld xmlns:a="http://schemas.openxmlformats.org/drawingml/2006/main" xmlns:r="http://schemas.openxmlformats.org/officeDocument/2006/relationships" xmlns:p="http://schemas.openxmlformats.org/presentationml/2006/main">
+  <p:cSld>
+    <p:spTree>
+      <p:nvGrpSpPr>
+        <p:cNvPr id="1" name=""/>
+        <p:cNvGrpSpPr/>
+        <p:nvPr/>
+      </p:nvGrpSpPr>
+      <p:grpSpPr>
+        <a:xfrm>
+          <a:off x="0" y="0"/>
+          <a:ext cx="0" cy="0"/>
+          <a:chOff x="0" y="0"/>
+          <a:chExt cx="0" cy="0"/>
+        </a:xfrm>
+      </p:grpSpPr>
+      <p:sp>
+        <p:nvSpPr>
+          <p:cNvPr id="2" name="Title 1">
+            <a:extLst>
+              <a:ext uri="{FF2B5EF4-FFF2-40B4-BE49-F238E27FC236}">
+                <a16:creationId xmlns:a16="http://schemas.microsoft.com/office/drawing/2014/main" id="{14E1C3D8-11A7-415F-8647-022FFC067B30}"/>
+              </a:ext>
+            </a:extLst>
+          </p:cNvPr>
+          <p:cNvSpPr>
+            <a:spLocks noGrp="1"/>
+          </p:cNvSpPr>
+          <p:nvPr>
+            <p:ph type="title"/>
+          </p:nvPr>
+        </p:nvSpPr>
+        <p:spPr/>
+        <p:txBody>
+          <a:bodyPr/>
+          <a:lstStyle/>
+          <a:p>
+            <a:endParaRPr lang="en-US"/>
+          </a:p>
+        </p:txBody>
+      </p:sp>
+      <p:sp>
+        <p:nvSpPr>
+          <p:cNvPr id="3" name="Content Placeholder 2">
+            <a:extLst>
+              <a:ext uri="{FF2B5EF4-FFF2-40B4-BE49-F238E27FC236}">
+                <a16:creationId xmlns:a16="http://schemas.microsoft.com/office/drawing/2014/main" id="{F05AB907-6F5B-41DF-965D-A18817C40090}"/>
+              </a:ext>
+            </a:extLst>
+          </p:cNvPr>
+          <p:cNvSpPr>
+            <a:spLocks noGrp="1"/>
+          </p:cNvSpPr>
+          <p:nvPr>
+            <p:ph idx="1"/>
+          </p:nvPr>
+        </p:nvSpPr>
+        <p:spPr/>
+        <p:txBody>
+          <a:bodyPr/>
+          <a:lstStyle/>
+          <a:p>
+            <a:r>
+              <a:rPr lang="en-US" dirty="0"/>
+              <a:t>fetch()</a:t>
+            </a:r>
+          </a:p>
+          <a:p>
+            <a:pPr lvl="1"/>
+            <a:r>
+              <a:rPr lang="en-US" dirty="0"/>
+              <a:t>allows you to fetch data – data, images, etc. </a:t>
+            </a:r>
+          </a:p>
+          <a:p>
+            <a:pPr lvl="1"/>
+            <a:r>
+              <a:rPr lang="en-US" dirty="0"/>
+              <a:t>Mozilla documentation</a:t>
+            </a:r>
+          </a:p>
+          <a:p>
+            <a:pPr lvl="1"/>
+            <a:r>
+              <a:rPr lang="en-US" dirty="0">
+                <a:hlinkClick r:id="rId2"/>
+              </a:rPr>
+              <a:t>https://developer.mozilla.org/en-US/docs/Web/API/Fetch_API</a:t>
+            </a:r>
+            <a:endParaRPr lang="en-US" dirty="0"/>
+          </a:p>
+          <a:p>
+            <a:pPr lvl="1"/>
+            <a:r>
+              <a:rPr lang="en-US" dirty="0">
+                <a:hlinkClick r:id="rId3"/>
+              </a:rPr>
+              <a:t>https://developer.mozilla.org/en-US/docs/Web/API/Fetch_API/Using_Fetch</a:t>
+            </a:r>
+            <a:endParaRPr lang="en-US" dirty="0"/>
+          </a:p>
+          <a:p>
+            <a:r>
+              <a:rPr lang="en-US" dirty="0"/>
+              <a:t>Making a request</a:t>
+            </a:r>
+          </a:p>
+          <a:p>
+            <a:pPr lvl="1"/>
+            <a:r>
+              <a:rPr lang="en-US" dirty="0"/>
+              <a:t>GET request</a:t>
+            </a:r>
+          </a:p>
+          <a:p>
+            <a:pPr lvl="1"/>
+            <a:r>
+              <a:rPr lang="en-US" dirty="0"/>
+              <a:t>POST request</a:t>
+            </a:r>
+          </a:p>
+          <a:p>
+            <a:r>
+              <a:rPr lang="en-US" dirty="0"/>
+              <a:t>async</a:t>
+            </a:r>
+          </a:p>
+          <a:p>
+            <a:pPr lvl="1"/>
+            <a:endParaRPr lang="en-US" dirty="0"/>
+          </a:p>
+        </p:txBody>
+      </p:sp>
+    </p:spTree>
+    <p:extLst>
+      <p:ext uri="{BB962C8B-B14F-4D97-AF65-F5344CB8AC3E}">
+        <p14:creationId xmlns:p14="http://schemas.microsoft.com/office/powerpoint/2010/main" val="192640825"/>
+      </p:ext>
+    </p:extLst>
+  </p:cSld>
+  <p:clrMapOvr>
+    <a:masterClrMapping/>
+  </p:clrMapOvr>
+</p:sld>
+</file>
+
+<file path=ppt/slides/slide3.xml><?xml version="1.0" encoding="utf-8"?>
+<p:sld xmlns:a="http://schemas.openxmlformats.org/drawingml/2006/main" xmlns:r="http://schemas.openxmlformats.org/officeDocument/2006/relationships" xmlns:p="http://schemas.openxmlformats.org/presentationml/2006/main">
+  <p:cSld>
+    <p:spTree>
+      <p:nvGrpSpPr>
+        <p:cNvPr id="1" name=""/>
+        <p:cNvGrpSpPr/>
+        <p:nvPr/>
+      </p:nvGrpSpPr>
+      <p:grpSpPr>
+        <a:xfrm>
+          <a:off x="0" y="0"/>
+          <a:ext cx="0" cy="0"/>
+          <a:chOff x="0" y="0"/>
+          <a:chExt cx="0" cy="0"/>
+        </a:xfrm>
+      </p:grpSpPr>
+      <p:sp>
+        <p:nvSpPr>
+          <p:cNvPr id="2" name="Title 1">
+            <a:extLst>
+              <a:ext uri="{FF2B5EF4-FFF2-40B4-BE49-F238E27FC236}">
+                <a16:creationId xmlns:a16="http://schemas.microsoft.com/office/drawing/2014/main" id="{14E1C3D8-11A7-415F-8647-022FFC067B30}"/>
+              </a:ext>
+            </a:extLst>
+          </p:cNvPr>
+          <p:cNvSpPr>
+            <a:spLocks noGrp="1"/>
+          </p:cNvSpPr>
+          <p:nvPr>
+            <p:ph type="title"/>
+          </p:nvPr>
+        </p:nvSpPr>
+        <p:spPr/>
+        <p:txBody>
+          <a:bodyPr/>
+          <a:lstStyle/>
+          <a:p>
+            <a:endParaRPr lang="en-US"/>
+          </a:p>
+        </p:txBody>
+      </p:sp>
+      <p:sp>
+        <p:nvSpPr>
+          <p:cNvPr id="3" name="Content Placeholder 2">
+            <a:extLst>
+              <a:ext uri="{FF2B5EF4-FFF2-40B4-BE49-F238E27FC236}">
+                <a16:creationId xmlns:a16="http://schemas.microsoft.com/office/drawing/2014/main" id="{F05AB907-6F5B-41DF-965D-A18817C40090}"/>
+              </a:ext>
+            </a:extLst>
+          </p:cNvPr>
+          <p:cNvSpPr>
+            <a:spLocks noGrp="1"/>
+          </p:cNvSpPr>
+          <p:nvPr>
+            <p:ph idx="1"/>
+          </p:nvPr>
+        </p:nvSpPr>
+        <p:spPr/>
+        <p:txBody>
+          <a:bodyPr>
+            <a:normAutofit fontScale="92500" lnSpcReduction="20000"/>
+          </a:bodyPr>
+          <a:lstStyle/>
+          <a:p>
+            <a:r>
+              <a:rPr lang="en-US" dirty="0"/>
+              <a:t>fetch()</a:t>
+            </a:r>
+          </a:p>
+          <a:p>
+            <a:pPr lvl="1"/>
+            <a:r>
+              <a:rPr lang="en-US" dirty="0"/>
+              <a:t>allows you to fetch data – data, images, etc. </a:t>
+            </a:r>
+          </a:p>
+          <a:p>
+            <a:pPr lvl="1"/>
+            <a:r>
+              <a:rPr lang="en-US" dirty="0"/>
+              <a:t>Mozilla documentation</a:t>
+            </a:r>
+          </a:p>
+          <a:p>
+            <a:pPr lvl="1"/>
+            <a:r>
+              <a:rPr lang="en-US" dirty="0">
+                <a:hlinkClick r:id="rId2"/>
+              </a:rPr>
+              <a:t>https://developer.mozilla.org/en-US/docs/Web/API/Fetch_API</a:t>
+            </a:r>
+            <a:endParaRPr lang="en-US" dirty="0"/>
+          </a:p>
+          <a:p>
+            <a:pPr lvl="1"/>
+            <a:r>
+              <a:rPr lang="en-US" dirty="0">
+                <a:hlinkClick r:id="rId3"/>
+              </a:rPr>
+              <a:t>https://developer.mozilla.org/en-US/docs/Web/API/Fetch_API/Using_Fetch</a:t>
+            </a:r>
+            <a:endParaRPr lang="en-US" dirty="0"/>
+          </a:p>
+          <a:p>
+            <a:r>
+              <a:rPr lang="en-US" dirty="0"/>
+              <a:t>Making a request</a:t>
+            </a:r>
+          </a:p>
+          <a:p>
+            <a:pPr lvl="1"/>
+            <a:r>
+              <a:rPr lang="en-US" dirty="0"/>
+              <a:t>GET request</a:t>
+            </a:r>
+          </a:p>
+          <a:p>
+            <a:pPr lvl="1"/>
+            <a:r>
+              <a:rPr lang="en-US" dirty="0"/>
+              <a:t>POST request</a:t>
+            </a:r>
+          </a:p>
+          <a:p>
+            <a:r>
+              <a:rPr lang="en-US" dirty="0"/>
+              <a:t>The fetch() method takes one argument – the path to the resource – and returns a promise containing the response. This is an HTTP response, not the actual JSON. To extract the JSON body content from the response, we use the json() method. </a:t>
+            </a:r>
+          </a:p>
+          <a:p>
+            <a:r>
+              <a:rPr lang="en-US" dirty="0"/>
+              <a:t>async</a:t>
+            </a:r>
+          </a:p>
+          <a:p>
+            <a:pPr lvl="1"/>
+            <a:endParaRPr lang="en-US" dirty="0"/>
+          </a:p>
+        </p:txBody>
+      </p:sp>
+    </p:spTree>
+    <p:extLst>
+      <p:ext uri="{BB962C8B-B14F-4D97-AF65-F5344CB8AC3E}">
+        <p14:creationId xmlns:p14="http://schemas.microsoft.com/office/powerpoint/2010/main" val="1541479327"/>
+      </p:ext>
+    </p:extLst>
+  </p:cSld>
+  <p:clrMapOvr>
+    <a:masterClrMapping/>
+  </p:clrMapOvr>
+</p:sld>
+</file>
+
+<file path=ppt/slides/slide4.xml><?xml version="1.0" encoding="utf-8"?>
+<p:sld xmlns:a="http://schemas.openxmlformats.org/drawingml/2006/main" xmlns:r="http://schemas.openxmlformats.org/officeDocument/2006/relationships" xmlns:p="http://schemas.openxmlformats.org/presentationml/2006/main">
+  <p:cSld>
+    <p:spTree>
+      <p:nvGrpSpPr>
+        <p:cNvPr id="1" name=""/>
+        <p:cNvGrpSpPr/>
+        <p:nvPr/>
+      </p:nvGrpSpPr>
+      <p:grpSpPr>
+        <a:xfrm>
+          <a:off x="0" y="0"/>
+          <a:ext cx="0" cy="0"/>
+          <a:chOff x="0" y="0"/>
+          <a:chExt cx="0" cy="0"/>
+        </a:xfrm>
+      </p:grpSpPr>
+      <p:sp>
+        <p:nvSpPr>
+          <p:cNvPr id="2" name="Title 1">
+            <a:extLst>
+              <a:ext uri="{FF2B5EF4-FFF2-40B4-BE49-F238E27FC236}">
+                <a16:creationId xmlns:a16="http://schemas.microsoft.com/office/drawing/2014/main" id="{14E1C3D8-11A7-415F-8647-022FFC067B30}"/>
+              </a:ext>
+            </a:extLst>
+          </p:cNvPr>
+          <p:cNvSpPr>
+            <a:spLocks noGrp="1"/>
+          </p:cNvSpPr>
+          <p:nvPr>
+            <p:ph type="title"/>
+          </p:nvPr>
+        </p:nvSpPr>
+        <p:spPr/>
+        <p:txBody>
+          <a:bodyPr/>
+          <a:lstStyle/>
+          <a:p>
+            <a:endParaRPr lang="en-US"/>
+          </a:p>
+        </p:txBody>
+      </p:sp>
+      <p:sp>
+        <p:nvSpPr>
+          <p:cNvPr id="3" name="Content Placeholder 2">
+            <a:extLst>
+              <a:ext uri="{FF2B5EF4-FFF2-40B4-BE49-F238E27FC236}">
+                <a16:creationId xmlns:a16="http://schemas.microsoft.com/office/drawing/2014/main" id="{F05AB907-6F5B-41DF-965D-A18817C40090}"/>
+              </a:ext>
+            </a:extLst>
+          </p:cNvPr>
+          <p:cNvSpPr>
+            <a:spLocks noGrp="1"/>
+          </p:cNvSpPr>
+          <p:nvPr>
+            <p:ph idx="1"/>
+          </p:nvPr>
+        </p:nvSpPr>
+        <p:spPr/>
+        <p:txBody>
+          <a:bodyPr>
+            <a:normAutofit fontScale="77500" lnSpcReduction="20000"/>
+          </a:bodyPr>
+          <a:lstStyle/>
+          <a:p>
+            <a:pPr marL="514350" indent="-514350">
+              <a:buFont typeface="+mj-lt"/>
+              <a:buAutoNum type="arabicPeriod"/>
+            </a:pPr>
+            <a:r>
+              <a:rPr lang="en-US" dirty="0"/>
+              <a:t>call fetch() – pass the path</a:t>
+            </a:r>
+          </a:p>
+          <a:p>
+            <a:pPr marL="514350" indent="-514350">
+              <a:buFont typeface="+mj-lt"/>
+              <a:buAutoNum type="arabicPeriod"/>
+            </a:pPr>
+            <a:r>
+              <a:rPr lang="en-US" dirty="0"/>
+              <a:t>response</a:t>
+            </a:r>
+          </a:p>
+          <a:p>
+            <a:pPr lvl="1"/>
+            <a:r>
+              <a:rPr lang="en-US" dirty="0"/>
+              <a:t>“body”</a:t>
+            </a:r>
+          </a:p>
+          <a:p>
+            <a:pPr marL="514350" indent="-514350">
+              <a:buFont typeface="+mj-lt"/>
+              <a:buAutoNum type="arabicPeriod"/>
+            </a:pPr>
+            <a:r>
+              <a:rPr lang="en-US" dirty="0"/>
+              <a:t>complete data stream (data stream because there are a lot of stuff besides response “body” in the response</a:t>
+            </a:r>
+          </a:p>
+          <a:p>
+            <a:pPr marL="514350" indent="-514350">
+              <a:buFont typeface="+mj-lt"/>
+              <a:buAutoNum type="arabicPeriod"/>
+            </a:pPr>
+            <a:r>
+              <a:rPr lang="en-US" dirty="0"/>
+              <a:t>make a &lt;table&gt; element</a:t>
+            </a:r>
+          </a:p>
+          <a:p>
+            <a:pPr marL="514350" indent="-514350">
+              <a:buFont typeface="+mj-lt"/>
+              <a:buAutoNum type="arabicPeriod"/>
+            </a:pPr>
+            <a:endParaRPr lang="en-US" dirty="0"/>
+          </a:p>
+          <a:p>
+            <a:pPr marL="0" indent="0">
+              <a:buNone/>
+            </a:pPr>
+            <a:r>
+              <a:rPr lang="en-US" dirty="0"/>
+              <a:t>.then handles the resolution of those promises (fetch returns a promise – a promise is </a:t>
+            </a:r>
+            <a:r>
+              <a:rPr lang="en-US" dirty="0" err="1"/>
+              <a:t>javascript’s</a:t>
+            </a:r>
+            <a:r>
+              <a:rPr lang="en-US" dirty="0"/>
+              <a:t> way of handling asynchronous events – gets resolved when the data is retrieved. </a:t>
+            </a:r>
+          </a:p>
+          <a:p>
+            <a:pPr marL="0" indent="0">
+              <a:buNone/>
+            </a:pPr>
+            <a:r>
+              <a:rPr lang="en-US" dirty="0"/>
+              <a:t>.catch handles errors</a:t>
+            </a:r>
+          </a:p>
+          <a:p>
+            <a:pPr marL="0" indent="0">
+              <a:buNone/>
+            </a:pPr>
+            <a:endParaRPr lang="en-US" dirty="0"/>
+          </a:p>
+          <a:p>
+            <a:pPr marL="0" indent="0">
+              <a:buNone/>
+            </a:pPr>
+            <a:r>
+              <a:rPr lang="en-US" dirty="0"/>
+              <a:t>await can only be in the context of async (this function will happen asynchronously) </a:t>
+            </a:r>
+          </a:p>
+          <a:p>
+            <a:endParaRPr lang="en-US" dirty="0"/>
+          </a:p>
+        </p:txBody>
+      </p:sp>
+      <p:sp>
+        <p:nvSpPr>
+          <p:cNvPr id="15" name="TextBox 14">
+            <a:extLst>
+              <a:ext uri="{FF2B5EF4-FFF2-40B4-BE49-F238E27FC236}">
+                <a16:creationId xmlns:a16="http://schemas.microsoft.com/office/drawing/2014/main" id="{46CA3300-1749-4F28-B986-E3B2078D67D1}"/>
+              </a:ext>
+            </a:extLst>
+          </p:cNvPr>
+          <p:cNvSpPr txBox="1"/>
+          <p:nvPr/>
+        </p:nvSpPr>
+        <p:spPr>
+          <a:xfrm>
+            <a:off x="-74142" y="1839095"/>
+            <a:ext cx="1285103" cy="369332"/>
+          </a:xfrm>
+          <a:prstGeom prst="rect">
+            <a:avLst/>
+          </a:prstGeom>
+          <a:noFill/>
+        </p:spPr>
+        <p:txBody>
+          <a:bodyPr wrap="square" rtlCol="0">
+            <a:spAutoFit/>
+          </a:bodyPr>
+          <a:lstStyle/>
+          <a:p>
+            <a:r>
+              <a:rPr lang="en-US" dirty="0"/>
+              <a:t>promise</a:t>
+            </a:r>
+          </a:p>
+        </p:txBody>
+      </p:sp>
+      <p:cxnSp>
+        <p:nvCxnSpPr>
+          <p:cNvPr id="29" name="Connector: Elbow 28">
+            <a:extLst>
+              <a:ext uri="{FF2B5EF4-FFF2-40B4-BE49-F238E27FC236}">
+                <a16:creationId xmlns:a16="http://schemas.microsoft.com/office/drawing/2014/main" id="{42949602-9A53-4289-BD3D-14D76D80EA7B}"/>
+              </a:ext>
+            </a:extLst>
+          </p:cNvPr>
+          <p:cNvCxnSpPr>
+            <a:cxnSpLocks/>
+          </p:cNvCxnSpPr>
+          <p:nvPr/>
+        </p:nvCxnSpPr>
+        <p:spPr>
+          <a:xfrm rot="16200000" flipH="1">
+            <a:off x="383743" y="2265411"/>
+            <a:ext cx="369334" cy="247134"/>
+          </a:xfrm>
+          <a:prstGeom prst="bentConnector5">
+            <a:avLst>
+              <a:gd name="adj1" fmla="val -1673"/>
+              <a:gd name="adj2" fmla="val -142500"/>
+              <a:gd name="adj3" fmla="val 100000"/>
+            </a:avLst>
+          </a:prstGeom>
+          <a:ln>
+            <a:tailEnd type="triangle"/>
+          </a:ln>
+        </p:spPr>
+        <p:style>
+          <a:lnRef idx="1">
+            <a:schemeClr val="accent1"/>
+          </a:lnRef>
+          <a:fillRef idx="0">
+            <a:schemeClr val="accent1"/>
+          </a:fillRef>
+          <a:effectRef idx="0">
+            <a:schemeClr val="accent1"/>
+          </a:effectRef>
+          <a:fontRef idx="minor">
+            <a:schemeClr val="tx1"/>
+          </a:fontRef>
+        </p:style>
+      </p:cxnSp>
+      <p:cxnSp>
+        <p:nvCxnSpPr>
+          <p:cNvPr id="36" name="Connector: Elbow 35">
+            <a:extLst>
+              <a:ext uri="{FF2B5EF4-FFF2-40B4-BE49-F238E27FC236}">
+                <a16:creationId xmlns:a16="http://schemas.microsoft.com/office/drawing/2014/main" id="{6D8AF8D4-B4C3-4EE2-88B6-665CBCFF188C}"/>
+              </a:ext>
+            </a:extLst>
+          </p:cNvPr>
+          <p:cNvCxnSpPr>
+            <a:cxnSpLocks/>
+          </p:cNvCxnSpPr>
+          <p:nvPr/>
+        </p:nvCxnSpPr>
+        <p:spPr>
+          <a:xfrm>
+            <a:off x="3426941" y="2573645"/>
+            <a:ext cx="1367481" cy="855355"/>
+          </a:xfrm>
+          <a:prstGeom prst="bentConnector3">
+            <a:avLst>
+              <a:gd name="adj1" fmla="val 196386"/>
+            </a:avLst>
+          </a:prstGeom>
+          <a:ln>
+            <a:tailEnd type="triangle"/>
+          </a:ln>
+        </p:spPr>
+        <p:style>
+          <a:lnRef idx="1">
+            <a:schemeClr val="accent1"/>
+          </a:lnRef>
+          <a:fillRef idx="0">
+            <a:schemeClr val="accent1"/>
+          </a:fillRef>
+          <a:effectRef idx="0">
+            <a:schemeClr val="accent1"/>
+          </a:effectRef>
+          <a:fontRef idx="minor">
+            <a:schemeClr val="tx1"/>
+          </a:fontRef>
+        </p:style>
+      </p:cxnSp>
+      <p:sp>
+        <p:nvSpPr>
+          <p:cNvPr id="49" name="TextBox 48">
+            <a:extLst>
+              <a:ext uri="{FF2B5EF4-FFF2-40B4-BE49-F238E27FC236}">
+                <a16:creationId xmlns:a16="http://schemas.microsoft.com/office/drawing/2014/main" id="{D3E52C9E-417B-4463-890D-32810B95C47C}"/>
+              </a:ext>
+            </a:extLst>
+          </p:cNvPr>
+          <p:cNvSpPr txBox="1"/>
+          <p:nvPr/>
+        </p:nvSpPr>
+        <p:spPr>
+          <a:xfrm>
+            <a:off x="7059827" y="3354963"/>
+            <a:ext cx="4135395" cy="646331"/>
+          </a:xfrm>
+          <a:prstGeom prst="rect">
+            <a:avLst/>
+          </a:prstGeom>
+          <a:noFill/>
+        </p:spPr>
+        <p:txBody>
+          <a:bodyPr wrap="square" rtlCol="0">
+            <a:spAutoFit/>
+          </a:bodyPr>
+          <a:lstStyle/>
+          <a:p>
+            <a:pPr marL="342900" indent="-342900">
+              <a:buAutoNum type="arabicPeriod"/>
+            </a:pPr>
+            <a:r>
+              <a:rPr lang="en-US" dirty="0"/>
+              <a:t>errors? </a:t>
+            </a:r>
+          </a:p>
+          <a:p>
+            <a:pPr marL="342900" indent="-342900">
+              <a:buAutoNum type="arabicPeriod"/>
+            </a:pPr>
+            <a:r>
+              <a:rPr lang="en-US" dirty="0"/>
+              <a:t>async/await instead of .then() method</a:t>
+            </a:r>
+          </a:p>
+        </p:txBody>
+      </p:sp>
+      <p:cxnSp>
+        <p:nvCxnSpPr>
+          <p:cNvPr id="52" name="Connector: Elbow 51">
+            <a:extLst>
+              <a:ext uri="{FF2B5EF4-FFF2-40B4-BE49-F238E27FC236}">
+                <a16:creationId xmlns:a16="http://schemas.microsoft.com/office/drawing/2014/main" id="{DEAE7290-A264-4797-9338-94FDD676DC65}"/>
+              </a:ext>
+            </a:extLst>
+          </p:cNvPr>
+          <p:cNvCxnSpPr>
+            <a:cxnSpLocks/>
+          </p:cNvCxnSpPr>
+          <p:nvPr/>
+        </p:nvCxnSpPr>
+        <p:spPr>
+          <a:xfrm>
+            <a:off x="4110681" y="3159900"/>
+            <a:ext cx="1367481" cy="855355"/>
+          </a:xfrm>
+          <a:prstGeom prst="bentConnector3">
+            <a:avLst>
+              <a:gd name="adj1" fmla="val 196386"/>
+            </a:avLst>
+          </a:prstGeom>
+          <a:ln>
+            <a:tailEnd type="triangle"/>
+          </a:ln>
+        </p:spPr>
+        <p:style>
+          <a:lnRef idx="1">
+            <a:schemeClr val="accent1"/>
+          </a:lnRef>
+          <a:fillRef idx="0">
+            <a:schemeClr val="accent1"/>
+          </a:fillRef>
+          <a:effectRef idx="0">
+            <a:schemeClr val="accent1"/>
+          </a:effectRef>
+          <a:fontRef idx="minor">
+            <a:schemeClr val="tx1"/>
+          </a:fontRef>
+        </p:style>
+      </p:cxnSp>
+    </p:spTree>
+    <p:extLst>
+      <p:ext uri="{BB962C8B-B14F-4D97-AF65-F5344CB8AC3E}">
+        <p14:creationId xmlns:p14="http://schemas.microsoft.com/office/powerpoint/2010/main" val="3347225998"/>
+      </p:ext>
+    </p:extLst>
+  </p:cSld>
+  <p:clrMapOvr>
+    <a:masterClrMapping/>
+  </p:clrMapOvr>
+</p:sld>
+</file>
+
+<file path=ppt/slides/slide5.xml><?xml version="1.0" encoding="utf-8"?>
 <p:sld xmlns:a="http://schemas.openxmlformats.org/drawingml/2006/main" xmlns:r="http://schemas.openxmlformats.org/officeDocument/2006/relationships" xmlns:p="http://schemas.openxmlformats.org/presentationml/2006/main">
   <p:cSld>
     <p:spTree>

--- a/assets/images/medium.pptx
+++ b/assets/images/medium.pptx
@@ -9,7 +9,8 @@
     <p:sldId id="258" r:id="rId3"/>
     <p:sldId id="259" r:id="rId4"/>
     <p:sldId id="260" r:id="rId5"/>
-    <p:sldId id="257" r:id="rId6"/>
+    <p:sldId id="261" r:id="rId6"/>
+    <p:sldId id="257" r:id="rId7"/>
   </p:sldIdLst>
   <p:sldSz cx="12192000" cy="6858000"/>
   <p:notesSz cx="6858000" cy="9144000"/>
@@ -263,7 +264,7 @@
           <a:p>
             <a:fld id="{3DF89998-2CFC-9B40-A5A6-340B1420DD49}" type="datetimeFigureOut">
               <a:rPr lang="en-US" smtClean="0"/>
-              <a:t>10/27/2020</a:t>
+              <a:t>10/27/20</a:t>
             </a:fld>
             <a:endParaRPr lang="en-US"/>
           </a:p>
@@ -461,7 +462,7 @@
           <a:p>
             <a:fld id="{3DF89998-2CFC-9B40-A5A6-340B1420DD49}" type="datetimeFigureOut">
               <a:rPr lang="en-US" smtClean="0"/>
-              <a:t>10/27/2020</a:t>
+              <a:t>10/27/20</a:t>
             </a:fld>
             <a:endParaRPr lang="en-US"/>
           </a:p>
@@ -669,7 +670,7 @@
           <a:p>
             <a:fld id="{3DF89998-2CFC-9B40-A5A6-340B1420DD49}" type="datetimeFigureOut">
               <a:rPr lang="en-US" smtClean="0"/>
-              <a:t>10/27/2020</a:t>
+              <a:t>10/27/20</a:t>
             </a:fld>
             <a:endParaRPr lang="en-US"/>
           </a:p>
@@ -867,7 +868,7 @@
           <a:p>
             <a:fld id="{3DF89998-2CFC-9B40-A5A6-340B1420DD49}" type="datetimeFigureOut">
               <a:rPr lang="en-US" smtClean="0"/>
-              <a:t>10/27/2020</a:t>
+              <a:t>10/27/20</a:t>
             </a:fld>
             <a:endParaRPr lang="en-US"/>
           </a:p>
@@ -1142,7 +1143,7 @@
           <a:p>
             <a:fld id="{3DF89998-2CFC-9B40-A5A6-340B1420DD49}" type="datetimeFigureOut">
               <a:rPr lang="en-US" smtClean="0"/>
-              <a:t>10/27/2020</a:t>
+              <a:t>10/27/20</a:t>
             </a:fld>
             <a:endParaRPr lang="en-US"/>
           </a:p>
@@ -1407,7 +1408,7 @@
           <a:p>
             <a:fld id="{3DF89998-2CFC-9B40-A5A6-340B1420DD49}" type="datetimeFigureOut">
               <a:rPr lang="en-US" smtClean="0"/>
-              <a:t>10/27/2020</a:t>
+              <a:t>10/27/20</a:t>
             </a:fld>
             <a:endParaRPr lang="en-US"/>
           </a:p>
@@ -1819,7 +1820,7 @@
           <a:p>
             <a:fld id="{3DF89998-2CFC-9B40-A5A6-340B1420DD49}" type="datetimeFigureOut">
               <a:rPr lang="en-US" smtClean="0"/>
-              <a:t>10/27/2020</a:t>
+              <a:t>10/27/20</a:t>
             </a:fld>
             <a:endParaRPr lang="en-US"/>
           </a:p>
@@ -1960,7 +1961,7 @@
           <a:p>
             <a:fld id="{3DF89998-2CFC-9B40-A5A6-340B1420DD49}" type="datetimeFigureOut">
               <a:rPr lang="en-US" smtClean="0"/>
-              <a:t>10/27/2020</a:t>
+              <a:t>10/27/20</a:t>
             </a:fld>
             <a:endParaRPr lang="en-US"/>
           </a:p>
@@ -2073,7 +2074,7 @@
           <a:p>
             <a:fld id="{3DF89998-2CFC-9B40-A5A6-340B1420DD49}" type="datetimeFigureOut">
               <a:rPr lang="en-US" smtClean="0"/>
-              <a:t>10/27/2020</a:t>
+              <a:t>10/27/20</a:t>
             </a:fld>
             <a:endParaRPr lang="en-US"/>
           </a:p>
@@ -2384,7 +2385,7 @@
           <a:p>
             <a:fld id="{3DF89998-2CFC-9B40-A5A6-340B1420DD49}" type="datetimeFigureOut">
               <a:rPr lang="en-US" smtClean="0"/>
-              <a:t>10/27/2020</a:t>
+              <a:t>10/27/20</a:t>
             </a:fld>
             <a:endParaRPr lang="en-US"/>
           </a:p>
@@ -2672,7 +2673,7 @@
           <a:p>
             <a:fld id="{3DF89998-2CFC-9B40-A5A6-340B1420DD49}" type="datetimeFigureOut">
               <a:rPr lang="en-US" smtClean="0"/>
-              <a:t>10/27/2020</a:t>
+              <a:t>10/27/20</a:t>
             </a:fld>
             <a:endParaRPr lang="en-US"/>
           </a:p>
@@ -2913,7 +2914,7 @@
           <a:p>
             <a:fld id="{3DF89998-2CFC-9B40-A5A6-340B1420DD49}" type="datetimeFigureOut">
               <a:rPr lang="en-US" smtClean="0"/>
-              <a:t>10/27/2020</a:t>
+              <a:t>10/27/20</a:t>
             </a:fld>
             <a:endParaRPr lang="en-US"/>
           </a:p>
@@ -3736,7 +3737,10 @@
           <a:bodyPr/>
           <a:lstStyle/>
           <a:p>
-            <a:endParaRPr lang="en-US"/>
+            <a:r>
+              <a:rPr lang="en-US" dirty="0"/>
+              <a:t>Fetch() from API</a:t>
+            </a:r>
           </a:p>
         </p:txBody>
       </p:sp>
@@ -3759,7 +3763,7 @@
         <p:spPr/>
         <p:txBody>
           <a:bodyPr>
-            <a:normAutofit fontScale="77500" lnSpcReduction="20000"/>
+            <a:normAutofit fontScale="70000" lnSpcReduction="20000"/>
           </a:bodyPr>
           <a:lstStyle/>
           <a:p>
@@ -3855,6 +3859,15 @@
             <a:r>
               <a:rPr lang="en-US" dirty="0"/>
               <a:t>await can only be in the context of async (this function will happen asynchronously) </a:t>
+            </a:r>
+          </a:p>
+          <a:p>
+            <a:pPr marL="0" indent="0">
+              <a:buNone/>
+            </a:pPr>
+            <a:r>
+              <a:rPr lang="en-US" dirty="0"/>
+              <a:t>an async function by definition returns a promise</a:t>
             </a:r>
           </a:p>
           <a:p>
@@ -4089,6 +4102,102 @@
 </file>
 
 <file path=ppt/slides/slide5.xml><?xml version="1.0" encoding="utf-8"?>
+<p:sld xmlns:a="http://schemas.openxmlformats.org/drawingml/2006/main" xmlns:r="http://schemas.openxmlformats.org/officeDocument/2006/relationships" xmlns:p="http://schemas.openxmlformats.org/presentationml/2006/main">
+  <p:cSld>
+    <p:spTree>
+      <p:nvGrpSpPr>
+        <p:cNvPr id="1" name=""/>
+        <p:cNvGrpSpPr/>
+        <p:nvPr/>
+      </p:nvGrpSpPr>
+      <p:grpSpPr>
+        <a:xfrm>
+          <a:off x="0" y="0"/>
+          <a:ext cx="0" cy="0"/>
+          <a:chOff x="0" y="0"/>
+          <a:chExt cx="0" cy="0"/>
+        </a:xfrm>
+      </p:grpSpPr>
+      <p:sp>
+        <p:nvSpPr>
+          <p:cNvPr id="2" name="Title 1">
+            <a:extLst>
+              <a:ext uri="{FF2B5EF4-FFF2-40B4-BE49-F238E27FC236}">
+                <a16:creationId xmlns:a16="http://schemas.microsoft.com/office/drawing/2014/main" id="{4424959A-04E6-6E44-A971-9C0145650034}"/>
+              </a:ext>
+            </a:extLst>
+          </p:cNvPr>
+          <p:cNvSpPr>
+            <a:spLocks noGrp="1"/>
+          </p:cNvSpPr>
+          <p:nvPr>
+            <p:ph type="title"/>
+          </p:nvPr>
+        </p:nvSpPr>
+        <p:spPr/>
+        <p:txBody>
+          <a:bodyPr/>
+          <a:lstStyle/>
+          <a:p>
+            <a:r>
+              <a:rPr lang="en-US" dirty="0" err="1"/>
+              <a:t>plotly.js</a:t>
+            </a:r>
+            <a:r>
+              <a:rPr lang="en-US" dirty="0"/>
+              <a:t> to visualize data</a:t>
+            </a:r>
+          </a:p>
+        </p:txBody>
+      </p:sp>
+      <p:sp>
+        <p:nvSpPr>
+          <p:cNvPr id="3" name="Content Placeholder 2">
+            <a:extLst>
+              <a:ext uri="{FF2B5EF4-FFF2-40B4-BE49-F238E27FC236}">
+                <a16:creationId xmlns:a16="http://schemas.microsoft.com/office/drawing/2014/main" id="{E8DFE930-3ABA-4848-8B39-76E9F784D81B}"/>
+              </a:ext>
+            </a:extLst>
+          </p:cNvPr>
+          <p:cNvSpPr>
+            <a:spLocks noGrp="1"/>
+          </p:cNvSpPr>
+          <p:nvPr>
+            <p:ph idx="1"/>
+          </p:nvPr>
+        </p:nvSpPr>
+        <p:spPr/>
+        <p:txBody>
+          <a:bodyPr/>
+          <a:lstStyle/>
+          <a:p>
+            <a:r>
+              <a:rPr lang="en-US" dirty="0">
+                <a:hlinkClick r:id="rId2"/>
+              </a:rPr>
+              <a:t>https://plotly.com/javascript/</a:t>
+            </a:r>
+            <a:endParaRPr lang="en-US" dirty="0"/>
+          </a:p>
+          <a:p>
+            <a:endParaRPr lang="en-US" dirty="0"/>
+          </a:p>
+        </p:txBody>
+      </p:sp>
+    </p:spTree>
+    <p:extLst>
+      <p:ext uri="{BB962C8B-B14F-4D97-AF65-F5344CB8AC3E}">
+        <p14:creationId xmlns:p14="http://schemas.microsoft.com/office/powerpoint/2010/main" val="1022382650"/>
+      </p:ext>
+    </p:extLst>
+  </p:cSld>
+  <p:clrMapOvr>
+    <a:masterClrMapping/>
+  </p:clrMapOvr>
+</p:sld>
+</file>
+
+<file path=ppt/slides/slide6.xml><?xml version="1.0" encoding="utf-8"?>
 <p:sld xmlns:a="http://schemas.openxmlformats.org/drawingml/2006/main" xmlns:r="http://schemas.openxmlformats.org/officeDocument/2006/relationships" xmlns:p="http://schemas.openxmlformats.org/presentationml/2006/main">
   <p:cSld>
     <p:spTree>

--- a/assets/images/medium.pptx
+++ b/assets/images/medium.pptx
@@ -264,7 +264,7 @@
           <a:p>
             <a:fld id="{3DF89998-2CFC-9B40-A5A6-340B1420DD49}" type="datetimeFigureOut">
               <a:rPr lang="en-US" smtClean="0"/>
-              <a:t>10/27/20</a:t>
+              <a:t>10/28/2020</a:t>
             </a:fld>
             <a:endParaRPr lang="en-US"/>
           </a:p>
@@ -462,7 +462,7 @@
           <a:p>
             <a:fld id="{3DF89998-2CFC-9B40-A5A6-340B1420DD49}" type="datetimeFigureOut">
               <a:rPr lang="en-US" smtClean="0"/>
-              <a:t>10/27/20</a:t>
+              <a:t>10/28/2020</a:t>
             </a:fld>
             <a:endParaRPr lang="en-US"/>
           </a:p>
@@ -670,7 +670,7 @@
           <a:p>
             <a:fld id="{3DF89998-2CFC-9B40-A5A6-340B1420DD49}" type="datetimeFigureOut">
               <a:rPr lang="en-US" smtClean="0"/>
-              <a:t>10/27/20</a:t>
+              <a:t>10/28/2020</a:t>
             </a:fld>
             <a:endParaRPr lang="en-US"/>
           </a:p>
@@ -868,7 +868,7 @@
           <a:p>
             <a:fld id="{3DF89998-2CFC-9B40-A5A6-340B1420DD49}" type="datetimeFigureOut">
               <a:rPr lang="en-US" smtClean="0"/>
-              <a:t>10/27/20</a:t>
+              <a:t>10/28/2020</a:t>
             </a:fld>
             <a:endParaRPr lang="en-US"/>
           </a:p>
@@ -1143,7 +1143,7 @@
           <a:p>
             <a:fld id="{3DF89998-2CFC-9B40-A5A6-340B1420DD49}" type="datetimeFigureOut">
               <a:rPr lang="en-US" smtClean="0"/>
-              <a:t>10/27/20</a:t>
+              <a:t>10/28/2020</a:t>
             </a:fld>
             <a:endParaRPr lang="en-US"/>
           </a:p>
@@ -1408,7 +1408,7 @@
           <a:p>
             <a:fld id="{3DF89998-2CFC-9B40-A5A6-340B1420DD49}" type="datetimeFigureOut">
               <a:rPr lang="en-US" smtClean="0"/>
-              <a:t>10/27/20</a:t>
+              <a:t>10/28/2020</a:t>
             </a:fld>
             <a:endParaRPr lang="en-US"/>
           </a:p>
@@ -1820,7 +1820,7 @@
           <a:p>
             <a:fld id="{3DF89998-2CFC-9B40-A5A6-340B1420DD49}" type="datetimeFigureOut">
               <a:rPr lang="en-US" smtClean="0"/>
-              <a:t>10/27/20</a:t>
+              <a:t>10/28/2020</a:t>
             </a:fld>
             <a:endParaRPr lang="en-US"/>
           </a:p>
@@ -1961,7 +1961,7 @@
           <a:p>
             <a:fld id="{3DF89998-2CFC-9B40-A5A6-340B1420DD49}" type="datetimeFigureOut">
               <a:rPr lang="en-US" smtClean="0"/>
-              <a:t>10/27/20</a:t>
+              <a:t>10/28/2020</a:t>
             </a:fld>
             <a:endParaRPr lang="en-US"/>
           </a:p>
@@ -2074,7 +2074,7 @@
           <a:p>
             <a:fld id="{3DF89998-2CFC-9B40-A5A6-340B1420DD49}" type="datetimeFigureOut">
               <a:rPr lang="en-US" smtClean="0"/>
-              <a:t>10/27/20</a:t>
+              <a:t>10/28/2020</a:t>
             </a:fld>
             <a:endParaRPr lang="en-US"/>
           </a:p>
@@ -2385,7 +2385,7 @@
           <a:p>
             <a:fld id="{3DF89998-2CFC-9B40-A5A6-340B1420DD49}" type="datetimeFigureOut">
               <a:rPr lang="en-US" smtClean="0"/>
-              <a:t>10/27/20</a:t>
+              <a:t>10/28/2020</a:t>
             </a:fld>
             <a:endParaRPr lang="en-US"/>
           </a:p>
@@ -2673,7 +2673,7 @@
           <a:p>
             <a:fld id="{3DF89998-2CFC-9B40-A5A6-340B1420DD49}" type="datetimeFigureOut">
               <a:rPr lang="en-US" smtClean="0"/>
-              <a:t>10/27/20</a:t>
+              <a:t>10/28/2020</a:t>
             </a:fld>
             <a:endParaRPr lang="en-US"/>
           </a:p>
@@ -2914,7 +2914,7 @@
           <a:p>
             <a:fld id="{3DF89998-2CFC-9B40-A5A6-340B1420DD49}" type="datetimeFigureOut">
               <a:rPr lang="en-US" smtClean="0"/>
-              <a:t>10/27/20</a:t>
+              <a:t>10/28/2020</a:t>
             </a:fld>
             <a:endParaRPr lang="en-US"/>
           </a:p>
@@ -4168,16 +4168,100 @@
         </p:nvSpPr>
         <p:spPr/>
         <p:txBody>
-          <a:bodyPr/>
-          <a:lstStyle/>
-          <a:p>
-            <a:r>
-              <a:rPr lang="en-US" dirty="0">
-                <a:hlinkClick r:id="rId2"/>
-              </a:rPr>
+          <a:bodyPr>
+            <a:normAutofit fontScale="62500" lnSpcReduction="20000"/>
+          </a:bodyPr>
+          <a:lstStyle/>
+          <a:p>
+            <a:r>
+              <a:rPr lang="en-US" dirty="0"/>
+              <a:t>What is a CDN – content delivery network</a:t>
+            </a:r>
+          </a:p>
+          <a:p>
+            <a:pPr lvl="1"/>
+            <a:r>
+              <a:rPr lang="en-US" dirty="0"/>
+              <a:t>minified (which means that long variable names, spaces, and line breaks have been removed). </a:t>
+            </a:r>
+          </a:p>
+          <a:p>
+            <a:r>
+              <a:rPr lang="en-US" dirty="0" err="1"/>
+              <a:t>plotly</a:t>
+            </a:r>
+            <a:r>
+              <a:rPr lang="en-US" dirty="0"/>
+              <a:t> requires an id for the element – you can also add height and width</a:t>
+            </a:r>
+          </a:p>
+          <a:p>
+            <a:r>
+              <a:rPr lang="en-US" dirty="0"/>
+              <a:t>look at examples – when working with a new library, you can just use examples</a:t>
+            </a:r>
+          </a:p>
+          <a:p>
+            <a:r>
+              <a:rPr lang="en-US" dirty="0" err="1"/>
+              <a:t>plotly</a:t>
+            </a:r>
+            <a:r>
+              <a:rPr lang="en-US" dirty="0"/>
+              <a:t> requires three arguments – the id, the data, and the layout</a:t>
+            </a:r>
+          </a:p>
+          <a:p>
+            <a:pPr lvl="1"/>
+            <a:r>
+              <a:rPr lang="en-US" dirty="0"/>
+              <a:t>Find new ways to charting by looking at the documentation and experimentation</a:t>
+            </a:r>
+          </a:p>
+          <a:p>
+            <a:r>
+              <a:rPr lang="en-US" dirty="0"/>
+              <a:t>use </a:t>
+            </a:r>
+            <a:r>
+              <a:rPr lang="en-US" dirty="0" err="1"/>
+              <a:t>parseFloat</a:t>
+            </a:r>
+            <a:r>
+              <a:rPr lang="en-US" dirty="0"/>
+              <a:t>() to convert string to numeric</a:t>
+            </a:r>
+          </a:p>
+          <a:p>
+            <a:r>
+              <a:rPr lang="en-US" dirty="0" err="1"/>
+              <a:t>Plotly.newPlot</a:t>
+            </a:r>
+            <a:r>
+              <a:rPr lang="en-US" dirty="0"/>
+              <a:t>()</a:t>
+            </a:r>
+          </a:p>
+          <a:p>
+            <a:endParaRPr lang="en-US" dirty="0"/>
+          </a:p>
+          <a:p>
+            <a:endParaRPr lang="en-US" dirty="0"/>
+          </a:p>
+          <a:p>
+            <a:endParaRPr lang="en-US" dirty="0"/>
+          </a:p>
+          <a:p>
+            <a:endParaRPr lang="en-US" dirty="0"/>
+          </a:p>
+          <a:p>
+            <a:endParaRPr lang="en-US" dirty="0"/>
+          </a:p>
+          <a:p>
+            <a:r>
+              <a:rPr lang="en-US" dirty="0"/>
               <a:t>https://plotly.com/javascript/</a:t>
             </a:r>
-            <a:endParaRPr lang="en-US" dirty="0"/>
           </a:p>
           <a:p>
             <a:endParaRPr lang="en-US" dirty="0"/>
